--- a/Tutorato 9 - 17.01/Tutorato 9.pptx
+++ b/Tutorato 9 - 17.01/Tutorato 9.pptx
@@ -5,7 +5,7 @@
     <p:sldMasterId id="2147483660" r:id="rId1"/>
   </p:sldMasterIdLst>
   <p:notesMasterIdLst>
-    <p:notesMasterId r:id="rId34"/>
+    <p:notesMasterId r:id="rId33"/>
   </p:notesMasterIdLst>
   <p:sldIdLst>
     <p:sldId id="256" r:id="rId2"/>
@@ -30,16 +30,15 @@
     <p:sldId id="390" r:id="rId21"/>
     <p:sldId id="392" r:id="rId22"/>
     <p:sldId id="393" r:id="rId23"/>
-    <p:sldId id="397" r:id="rId24"/>
-    <p:sldId id="400" r:id="rId25"/>
-    <p:sldId id="407" r:id="rId26"/>
-    <p:sldId id="401" r:id="rId27"/>
-    <p:sldId id="402" r:id="rId28"/>
-    <p:sldId id="403" r:id="rId29"/>
-    <p:sldId id="404" r:id="rId30"/>
-    <p:sldId id="405" r:id="rId31"/>
-    <p:sldId id="408" r:id="rId32"/>
-    <p:sldId id="417" r:id="rId33"/>
+    <p:sldId id="400" r:id="rId24"/>
+    <p:sldId id="407" r:id="rId25"/>
+    <p:sldId id="401" r:id="rId26"/>
+    <p:sldId id="402" r:id="rId27"/>
+    <p:sldId id="403" r:id="rId28"/>
+    <p:sldId id="404" r:id="rId29"/>
+    <p:sldId id="405" r:id="rId30"/>
+    <p:sldId id="408" r:id="rId31"/>
+    <p:sldId id="417" r:id="rId32"/>
   </p:sldIdLst>
   <p:sldSz cx="9144000" cy="6858000" type="screen4x3"/>
   <p:notesSz cx="6858000" cy="9144000"/>
@@ -6024,7 +6023,7 @@
           <a:p>
             <a:r>
               <a:rPr lang="it-IT" sz="3600" dirty="0"/>
-              <a:t>Esercizio 1: Modellazione</a:t>
+              <a:t>Esercizio 1: Sottotipi</a:t>
             </a:r>
           </a:p>
         </p:txBody>
@@ -6064,10 +6063,10 @@
       </p:sp>
       <p:pic>
         <p:nvPicPr>
-          <p:cNvPr id="9" name="Immagine 8" descr="Immagine che contiene testo, Carattere, schermata, carta&#10;&#10;Descrizione generata automaticamente">
-            <a:extLst>
-              <a:ext uri="{FF2B5EF4-FFF2-40B4-BE49-F238E27FC236}">
-                <a16:creationId xmlns:a16="http://schemas.microsoft.com/office/drawing/2014/main" id="{3017EE1F-3D7F-CDF5-2093-5860A53E246E}"/>
+          <p:cNvPr id="6" name="Immagine 5">
+            <a:extLst>
+              <a:ext uri="{FF2B5EF4-FFF2-40B4-BE49-F238E27FC236}">
+                <a16:creationId xmlns:a16="http://schemas.microsoft.com/office/drawing/2014/main" id="{D9D43C44-0FDC-6CEA-A6E1-EC9864E0E8A4}"/>
               </a:ext>
             </a:extLst>
           </p:cNvPr>
@@ -6077,21 +6076,15 @@
           <p:nvPr/>
         </p:nvPicPr>
         <p:blipFill>
-          <a:blip r:embed="rId2">
-            <a:extLst>
-              <a:ext uri="{28A0092B-C50C-407E-A947-70E740481C1C}">
-                <a14:useLocalDpi xmlns:a14="http://schemas.microsoft.com/office/drawing/2010/main" val="0"/>
-              </a:ext>
-            </a:extLst>
-          </a:blip>
+          <a:blip r:embed="rId2"/>
           <a:stretch>
             <a:fillRect/>
           </a:stretch>
         </p:blipFill>
         <p:spPr>
           <a:xfrm>
-            <a:off x="760117" y="1238864"/>
-            <a:ext cx="7623765" cy="4783539"/>
+            <a:off x="605862" y="1435509"/>
+            <a:ext cx="7932276" cy="4427317"/>
           </a:xfrm>
           <a:prstGeom prst="rect">
             <a:avLst/>
@@ -6101,7 +6094,7 @@
     </p:spTree>
     <p:extLst>
       <p:ext uri="{BB962C8B-B14F-4D97-AF65-F5344CB8AC3E}">
-        <p14:creationId xmlns:p14="http://schemas.microsoft.com/office/powerpoint/2010/main" val="497163245"/>
+        <p14:creationId xmlns:p14="http://schemas.microsoft.com/office/powerpoint/2010/main" val="3386987939"/>
       </p:ext>
     </p:extLst>
   </p:cSld>
@@ -6158,7 +6151,7 @@
           <a:p>
             <a:r>
               <a:rPr lang="it-IT" sz="3600" dirty="0"/>
-              <a:t>Esercizio 2: Sottotipi</a:t>
+              <a:t>Esercizio 1: Soluzione</a:t>
             </a:r>
           </a:p>
         </p:txBody>
@@ -6198,10 +6191,10 @@
       </p:sp>
       <p:pic>
         <p:nvPicPr>
-          <p:cNvPr id="6" name="Immagine 5">
-            <a:extLst>
-              <a:ext uri="{FF2B5EF4-FFF2-40B4-BE49-F238E27FC236}">
-                <a16:creationId xmlns:a16="http://schemas.microsoft.com/office/drawing/2014/main" id="{D9D43C44-0FDC-6CEA-A6E1-EC9864E0E8A4}"/>
+          <p:cNvPr id="5" name="Immagine 4">
+            <a:extLst>
+              <a:ext uri="{FF2B5EF4-FFF2-40B4-BE49-F238E27FC236}">
+                <a16:creationId xmlns:a16="http://schemas.microsoft.com/office/drawing/2014/main" id="{9EBD7CC5-E0E1-2406-03DF-3FDC131C98BB}"/>
               </a:ext>
             </a:extLst>
           </p:cNvPr>
@@ -6218,8 +6211,38 @@
         </p:blipFill>
         <p:spPr>
           <a:xfrm>
-            <a:off x="605862" y="1435509"/>
-            <a:ext cx="7932276" cy="4427317"/>
+            <a:off x="1063856" y="1668627"/>
+            <a:ext cx="2690093" cy="3520745"/>
+          </a:xfrm>
+          <a:prstGeom prst="rect">
+            <a:avLst/>
+          </a:prstGeom>
+        </p:spPr>
+      </p:pic>
+      <p:pic>
+        <p:nvPicPr>
+          <p:cNvPr id="8" name="Immagine 7">
+            <a:extLst>
+              <a:ext uri="{FF2B5EF4-FFF2-40B4-BE49-F238E27FC236}">
+                <a16:creationId xmlns:a16="http://schemas.microsoft.com/office/drawing/2014/main" id="{D7E6F3E5-3BF8-3A4A-19D1-A6F528621B2F}"/>
+              </a:ext>
+            </a:extLst>
+          </p:cNvPr>
+          <p:cNvPicPr>
+            <a:picLocks noChangeAspect="1"/>
+          </p:cNvPicPr>
+          <p:nvPr/>
+        </p:nvPicPr>
+        <p:blipFill>
+          <a:blip r:embed="rId3"/>
+          <a:stretch>
+            <a:fillRect/>
+          </a:stretch>
+        </p:blipFill>
+        <p:spPr>
+          <a:xfrm>
+            <a:off x="4985328" y="1760075"/>
+            <a:ext cx="2712955" cy="3429297"/>
           </a:xfrm>
           <a:prstGeom prst="rect">
             <a:avLst/>
@@ -6229,7 +6252,7 @@
     </p:spTree>
     <p:extLst>
       <p:ext uri="{BB962C8B-B14F-4D97-AF65-F5344CB8AC3E}">
-        <p14:creationId xmlns:p14="http://schemas.microsoft.com/office/powerpoint/2010/main" val="3386987939"/>
+        <p14:creationId xmlns:p14="http://schemas.microsoft.com/office/powerpoint/2010/main" val="4207754881"/>
       </p:ext>
     </p:extLst>
   </p:cSld>
@@ -6286,7 +6309,7 @@
           <a:p>
             <a:r>
               <a:rPr lang="it-IT" sz="3600" dirty="0"/>
-              <a:t>Esercizio 2: Soluzione</a:t>
+              <a:t>Esercizio 2: Cosa Stampa</a:t>
             </a:r>
           </a:p>
         </p:txBody>
@@ -6326,10 +6349,10 @@
       </p:sp>
       <p:pic>
         <p:nvPicPr>
-          <p:cNvPr id="5" name="Immagine 4">
-            <a:extLst>
-              <a:ext uri="{FF2B5EF4-FFF2-40B4-BE49-F238E27FC236}">
-                <a16:creationId xmlns:a16="http://schemas.microsoft.com/office/drawing/2014/main" id="{9EBD7CC5-E0E1-2406-03DF-3FDC131C98BB}"/>
+          <p:cNvPr id="6" name="Immagine 5">
+            <a:extLst>
+              <a:ext uri="{FF2B5EF4-FFF2-40B4-BE49-F238E27FC236}">
+                <a16:creationId xmlns:a16="http://schemas.microsoft.com/office/drawing/2014/main" id="{9F95344C-F5E2-09F1-5D9C-AC069F78AF4A}"/>
               </a:ext>
             </a:extLst>
           </p:cNvPr>
@@ -6346,38 +6369,8 @@
         </p:blipFill>
         <p:spPr>
           <a:xfrm>
-            <a:off x="1063856" y="1668627"/>
-            <a:ext cx="2690093" cy="3520745"/>
-          </a:xfrm>
-          <a:prstGeom prst="rect">
-            <a:avLst/>
-          </a:prstGeom>
-        </p:spPr>
-      </p:pic>
-      <p:pic>
-        <p:nvPicPr>
-          <p:cNvPr id="8" name="Immagine 7">
-            <a:extLst>
-              <a:ext uri="{FF2B5EF4-FFF2-40B4-BE49-F238E27FC236}">
-                <a16:creationId xmlns:a16="http://schemas.microsoft.com/office/drawing/2014/main" id="{D7E6F3E5-3BF8-3A4A-19D1-A6F528621B2F}"/>
-              </a:ext>
-            </a:extLst>
-          </p:cNvPr>
-          <p:cNvPicPr>
-            <a:picLocks noChangeAspect="1"/>
-          </p:cNvPicPr>
-          <p:nvPr/>
-        </p:nvPicPr>
-        <p:blipFill>
-          <a:blip r:embed="rId3"/>
-          <a:stretch>
-            <a:fillRect/>
-          </a:stretch>
-        </p:blipFill>
-        <p:spPr>
-          <a:xfrm>
-            <a:off x="4985328" y="1760075"/>
-            <a:ext cx="2712955" cy="3429297"/>
+            <a:off x="511278" y="1257066"/>
+            <a:ext cx="8121444" cy="4831661"/>
           </a:xfrm>
           <a:prstGeom prst="rect">
             <a:avLst/>
@@ -6387,7 +6380,7 @@
     </p:spTree>
     <p:extLst>
       <p:ext uri="{BB962C8B-B14F-4D97-AF65-F5344CB8AC3E}">
-        <p14:creationId xmlns:p14="http://schemas.microsoft.com/office/powerpoint/2010/main" val="4207754881"/>
+        <p14:creationId xmlns:p14="http://schemas.microsoft.com/office/powerpoint/2010/main" val="3337345833"/>
       </p:ext>
     </p:extLst>
   </p:cSld>
@@ -6444,7 +6437,7 @@
           <a:p>
             <a:r>
               <a:rPr lang="it-IT" sz="3600" dirty="0"/>
-              <a:t>Esercizio 3: Cosa Stampa</a:t>
+              <a:t>Esercizio 2: Cosa Stampa</a:t>
             </a:r>
           </a:p>
         </p:txBody>
@@ -6484,10 +6477,10 @@
       </p:sp>
       <p:pic>
         <p:nvPicPr>
-          <p:cNvPr id="6" name="Immagine 5">
-            <a:extLst>
-              <a:ext uri="{FF2B5EF4-FFF2-40B4-BE49-F238E27FC236}">
-                <a16:creationId xmlns:a16="http://schemas.microsoft.com/office/drawing/2014/main" id="{9F95344C-F5E2-09F1-5D9C-AC069F78AF4A}"/>
+          <p:cNvPr id="5" name="Immagine 4">
+            <a:extLst>
+              <a:ext uri="{FF2B5EF4-FFF2-40B4-BE49-F238E27FC236}">
+                <a16:creationId xmlns:a16="http://schemas.microsoft.com/office/drawing/2014/main" id="{98600B73-BE90-9441-E935-47875FE46772}"/>
               </a:ext>
             </a:extLst>
           </p:cNvPr>
@@ -6504,8 +6497,38 @@
         </p:blipFill>
         <p:spPr>
           <a:xfrm>
-            <a:off x="511278" y="1257066"/>
-            <a:ext cx="8121444" cy="4831661"/>
+            <a:off x="632570" y="2056162"/>
+            <a:ext cx="3139712" cy="3040643"/>
+          </a:xfrm>
+          <a:prstGeom prst="rect">
+            <a:avLst/>
+          </a:prstGeom>
+        </p:spPr>
+      </p:pic>
+      <p:pic>
+        <p:nvPicPr>
+          <p:cNvPr id="8" name="Immagine 7">
+            <a:extLst>
+              <a:ext uri="{FF2B5EF4-FFF2-40B4-BE49-F238E27FC236}">
+                <a16:creationId xmlns:a16="http://schemas.microsoft.com/office/drawing/2014/main" id="{5BC948B2-91C2-9C3C-CDC8-E3384F4A037D}"/>
+              </a:ext>
+            </a:extLst>
+          </p:cNvPr>
+          <p:cNvPicPr>
+            <a:picLocks noChangeAspect="1"/>
+          </p:cNvPicPr>
+          <p:nvPr/>
+        </p:nvPicPr>
+        <p:blipFill>
+          <a:blip r:embed="rId3"/>
+          <a:stretch>
+            <a:fillRect/>
+          </a:stretch>
+        </p:blipFill>
+        <p:spPr>
+          <a:xfrm>
+            <a:off x="4769686" y="2571675"/>
+            <a:ext cx="3741744" cy="1714649"/>
           </a:xfrm>
           <a:prstGeom prst="rect">
             <a:avLst/>
@@ -6515,7 +6538,7 @@
     </p:spTree>
     <p:extLst>
       <p:ext uri="{BB962C8B-B14F-4D97-AF65-F5344CB8AC3E}">
-        <p14:creationId xmlns:p14="http://schemas.microsoft.com/office/powerpoint/2010/main" val="3337345833"/>
+        <p14:creationId xmlns:p14="http://schemas.microsoft.com/office/powerpoint/2010/main" val="1072050331"/>
       </p:ext>
     </p:extLst>
   </p:cSld>
@@ -6572,7 +6595,7 @@
           <a:p>
             <a:r>
               <a:rPr lang="it-IT" sz="3600" dirty="0"/>
-              <a:t>Esercizio 3: Cosa Stampa</a:t>
+              <a:t>Esercizio 2: Soluzione</a:t>
             </a:r>
           </a:p>
         </p:txBody>
@@ -6612,10 +6635,10 @@
       </p:sp>
       <p:pic>
         <p:nvPicPr>
-          <p:cNvPr id="5" name="Immagine 4">
-            <a:extLst>
-              <a:ext uri="{FF2B5EF4-FFF2-40B4-BE49-F238E27FC236}">
-                <a16:creationId xmlns:a16="http://schemas.microsoft.com/office/drawing/2014/main" id="{98600B73-BE90-9441-E935-47875FE46772}"/>
+          <p:cNvPr id="6" name="Immagine 5">
+            <a:extLst>
+              <a:ext uri="{FF2B5EF4-FFF2-40B4-BE49-F238E27FC236}">
+                <a16:creationId xmlns:a16="http://schemas.microsoft.com/office/drawing/2014/main" id="{E12C6534-7AD3-096E-CEFA-8D7AB84D2083}"/>
               </a:ext>
             </a:extLst>
           </p:cNvPr>
@@ -6632,38 +6655,8 @@
         </p:blipFill>
         <p:spPr>
           <a:xfrm>
-            <a:off x="632570" y="2056162"/>
-            <a:ext cx="3139712" cy="3040643"/>
-          </a:xfrm>
-          <a:prstGeom prst="rect">
-            <a:avLst/>
-          </a:prstGeom>
-        </p:spPr>
-      </p:pic>
-      <p:pic>
-        <p:nvPicPr>
-          <p:cNvPr id="8" name="Immagine 7">
-            <a:extLst>
-              <a:ext uri="{FF2B5EF4-FFF2-40B4-BE49-F238E27FC236}">
-                <a16:creationId xmlns:a16="http://schemas.microsoft.com/office/drawing/2014/main" id="{5BC948B2-91C2-9C3C-CDC8-E3384F4A037D}"/>
-              </a:ext>
-            </a:extLst>
-          </p:cNvPr>
-          <p:cNvPicPr>
-            <a:picLocks noChangeAspect="1"/>
-          </p:cNvPicPr>
-          <p:nvPr/>
-        </p:nvPicPr>
-        <p:blipFill>
-          <a:blip r:embed="rId3"/>
-          <a:stretch>
-            <a:fillRect/>
-          </a:stretch>
-        </p:blipFill>
-        <p:spPr>
-          <a:xfrm>
-            <a:off x="4769686" y="2571675"/>
-            <a:ext cx="3741744" cy="1714649"/>
+            <a:off x="1547141" y="1356852"/>
+            <a:ext cx="5866406" cy="4747629"/>
           </a:xfrm>
           <a:prstGeom prst="rect">
             <a:avLst/>
@@ -6673,7 +6666,7 @@
     </p:spTree>
     <p:extLst>
       <p:ext uri="{BB962C8B-B14F-4D97-AF65-F5344CB8AC3E}">
-        <p14:creationId xmlns:p14="http://schemas.microsoft.com/office/powerpoint/2010/main" val="1072050331"/>
+        <p14:creationId xmlns:p14="http://schemas.microsoft.com/office/powerpoint/2010/main" val="2097203942"/>
       </p:ext>
     </p:extLst>
   </p:cSld>
@@ -6730,7 +6723,7 @@
           <a:p>
             <a:r>
               <a:rPr lang="it-IT" sz="3600" dirty="0"/>
-              <a:t>Esercizio 3: Soluzione</a:t>
+              <a:t>Esercizio 3: Stampa numerica</a:t>
             </a:r>
           </a:p>
         </p:txBody>
@@ -6770,10 +6763,10 @@
       </p:sp>
       <p:pic>
         <p:nvPicPr>
-          <p:cNvPr id="6" name="Immagine 5">
-            <a:extLst>
-              <a:ext uri="{FF2B5EF4-FFF2-40B4-BE49-F238E27FC236}">
-                <a16:creationId xmlns:a16="http://schemas.microsoft.com/office/drawing/2014/main" id="{E12C6534-7AD3-096E-CEFA-8D7AB84D2083}"/>
+          <p:cNvPr id="5" name="Immagine 4">
+            <a:extLst>
+              <a:ext uri="{FF2B5EF4-FFF2-40B4-BE49-F238E27FC236}">
+                <a16:creationId xmlns:a16="http://schemas.microsoft.com/office/drawing/2014/main" id="{D8B1A01A-5E2E-AEF4-9A1F-581A92B72829}"/>
               </a:ext>
             </a:extLst>
           </p:cNvPr>
@@ -6790,8 +6783,38 @@
         </p:blipFill>
         <p:spPr>
           <a:xfrm>
-            <a:off x="1547141" y="1356852"/>
-            <a:ext cx="5866406" cy="4747629"/>
+            <a:off x="620687" y="1154493"/>
+            <a:ext cx="7902625" cy="3330229"/>
+          </a:xfrm>
+          <a:prstGeom prst="rect">
+            <a:avLst/>
+          </a:prstGeom>
+        </p:spPr>
+      </p:pic>
+      <p:pic>
+        <p:nvPicPr>
+          <p:cNvPr id="7" name="Immagine 6">
+            <a:extLst>
+              <a:ext uri="{FF2B5EF4-FFF2-40B4-BE49-F238E27FC236}">
+                <a16:creationId xmlns:a16="http://schemas.microsoft.com/office/drawing/2014/main" id="{248E7CB4-B33B-37BC-2A5C-29A203B4BC9B}"/>
+              </a:ext>
+            </a:extLst>
+          </p:cNvPr>
+          <p:cNvPicPr>
+            <a:picLocks noChangeAspect="1"/>
+          </p:cNvPicPr>
+          <p:nvPr/>
+        </p:nvPicPr>
+        <p:blipFill>
+          <a:blip r:embed="rId3"/>
+          <a:stretch>
+            <a:fillRect/>
+          </a:stretch>
+        </p:blipFill>
+        <p:spPr>
+          <a:xfrm>
+            <a:off x="1130709" y="4545358"/>
+            <a:ext cx="6631844" cy="1686602"/>
           </a:xfrm>
           <a:prstGeom prst="rect">
             <a:avLst/>
@@ -6801,7 +6824,7 @@
     </p:spTree>
     <p:extLst>
       <p:ext uri="{BB962C8B-B14F-4D97-AF65-F5344CB8AC3E}">
-        <p14:creationId xmlns:p14="http://schemas.microsoft.com/office/powerpoint/2010/main" val="2097203942"/>
+        <p14:creationId xmlns:p14="http://schemas.microsoft.com/office/powerpoint/2010/main" val="1696328965"/>
       </p:ext>
     </p:extLst>
   </p:cSld>
@@ -6858,7 +6881,7 @@
           <a:p>
             <a:r>
               <a:rPr lang="it-IT" sz="3600" dirty="0"/>
-              <a:t>Esercizio 4: Stampa numerica</a:t>
+              <a:t>Esercizio 3: Soluzione (possibile)</a:t>
             </a:r>
           </a:p>
         </p:txBody>
@@ -6898,10 +6921,10 @@
       </p:sp>
       <p:pic>
         <p:nvPicPr>
-          <p:cNvPr id="5" name="Immagine 4">
-            <a:extLst>
-              <a:ext uri="{FF2B5EF4-FFF2-40B4-BE49-F238E27FC236}">
-                <a16:creationId xmlns:a16="http://schemas.microsoft.com/office/drawing/2014/main" id="{D8B1A01A-5E2E-AEF4-9A1F-581A92B72829}"/>
+          <p:cNvPr id="6" name="Immagine 5">
+            <a:extLst>
+              <a:ext uri="{FF2B5EF4-FFF2-40B4-BE49-F238E27FC236}">
+                <a16:creationId xmlns:a16="http://schemas.microsoft.com/office/drawing/2014/main" id="{F5FF7365-F818-0535-C0B7-C5ADD569545F}"/>
               </a:ext>
             </a:extLst>
           </p:cNvPr>
@@ -6918,38 +6941,8 @@
         </p:blipFill>
         <p:spPr>
           <a:xfrm>
-            <a:off x="620687" y="1154493"/>
-            <a:ext cx="7902625" cy="3330229"/>
-          </a:xfrm>
-          <a:prstGeom prst="rect">
-            <a:avLst/>
-          </a:prstGeom>
-        </p:spPr>
-      </p:pic>
-      <p:pic>
-        <p:nvPicPr>
-          <p:cNvPr id="7" name="Immagine 6">
-            <a:extLst>
-              <a:ext uri="{FF2B5EF4-FFF2-40B4-BE49-F238E27FC236}">
-                <a16:creationId xmlns:a16="http://schemas.microsoft.com/office/drawing/2014/main" id="{248E7CB4-B33B-37BC-2A5C-29A203B4BC9B}"/>
-              </a:ext>
-            </a:extLst>
-          </p:cNvPr>
-          <p:cNvPicPr>
-            <a:picLocks noChangeAspect="1"/>
-          </p:cNvPicPr>
-          <p:nvPr/>
-        </p:nvPicPr>
-        <p:blipFill>
-          <a:blip r:embed="rId3"/>
-          <a:stretch>
-            <a:fillRect/>
-          </a:stretch>
-        </p:blipFill>
-        <p:spPr>
-          <a:xfrm>
-            <a:off x="1130709" y="4545358"/>
-            <a:ext cx="6631844" cy="1686602"/>
+            <a:off x="727377" y="2472607"/>
+            <a:ext cx="7689246" cy="1912786"/>
           </a:xfrm>
           <a:prstGeom prst="rect">
             <a:avLst/>
@@ -6959,7 +6952,7 @@
     </p:spTree>
     <p:extLst>
       <p:ext uri="{BB962C8B-B14F-4D97-AF65-F5344CB8AC3E}">
-        <p14:creationId xmlns:p14="http://schemas.microsoft.com/office/powerpoint/2010/main" val="1696328965"/>
+        <p14:creationId xmlns:p14="http://schemas.microsoft.com/office/powerpoint/2010/main" val="3667836368"/>
       </p:ext>
     </p:extLst>
   </p:cSld>
@@ -7276,7 +7269,7 @@
           <a:p>
             <a:r>
               <a:rPr lang="it-IT" sz="3600" dirty="0"/>
-              <a:t>Esercizio 4: Soluzione (possibile)</a:t>
+              <a:t>Esercizio 4: Ridefinizione standard</a:t>
             </a:r>
           </a:p>
         </p:txBody>
@@ -7316,10 +7309,10 @@
       </p:sp>
       <p:pic>
         <p:nvPicPr>
-          <p:cNvPr id="6" name="Immagine 5">
-            <a:extLst>
-              <a:ext uri="{FF2B5EF4-FFF2-40B4-BE49-F238E27FC236}">
-                <a16:creationId xmlns:a16="http://schemas.microsoft.com/office/drawing/2014/main" id="{F5FF7365-F818-0535-C0B7-C5ADD569545F}"/>
+          <p:cNvPr id="5" name="Immagine 4" descr="Immagine che contiene testo, schermata, numero, schermo&#10;&#10;Descrizione generata automaticamente">
+            <a:extLst>
+              <a:ext uri="{FF2B5EF4-FFF2-40B4-BE49-F238E27FC236}">
+                <a16:creationId xmlns:a16="http://schemas.microsoft.com/office/drawing/2014/main" id="{5A68F2ED-B081-21CB-94A4-AEA1B91043E4}"/>
               </a:ext>
             </a:extLst>
           </p:cNvPr>
@@ -7329,15 +7322,21 @@
           <p:nvPr/>
         </p:nvPicPr>
         <p:blipFill>
-          <a:blip r:embed="rId2"/>
+          <a:blip r:embed="rId2">
+            <a:extLst>
+              <a:ext uri="{28A0092B-C50C-407E-A947-70E740481C1C}">
+                <a14:useLocalDpi xmlns:a14="http://schemas.microsoft.com/office/drawing/2010/main" val="0"/>
+              </a:ext>
+            </a:extLst>
+          </a:blip>
           <a:stretch>
             <a:fillRect/>
           </a:stretch>
         </p:blipFill>
         <p:spPr>
           <a:xfrm>
-            <a:off x="727377" y="2472607"/>
-            <a:ext cx="7689246" cy="1912786"/>
+            <a:off x="0" y="1407413"/>
+            <a:ext cx="9144000" cy="4043174"/>
           </a:xfrm>
           <a:prstGeom prst="rect">
             <a:avLst/>
@@ -7347,7 +7346,7 @@
     </p:spTree>
     <p:extLst>
       <p:ext uri="{BB962C8B-B14F-4D97-AF65-F5344CB8AC3E}">
-        <p14:creationId xmlns:p14="http://schemas.microsoft.com/office/powerpoint/2010/main" val="3667836368"/>
+        <p14:creationId xmlns:p14="http://schemas.microsoft.com/office/powerpoint/2010/main" val="4009097524"/>
       </p:ext>
     </p:extLst>
   </p:cSld>
@@ -7403,8 +7402,12 @@
           <a:lstStyle/>
           <a:p>
             <a:r>
+              <a:rPr lang="it-IT" sz="3600"/>
+              <a:t>Esercizio 4: </a:t>
+            </a:r>
+            <a:r>
               <a:rPr lang="it-IT" sz="3600" dirty="0"/>
-              <a:t>Esercizio 5: Ridefinizione standard</a:t>
+              <a:t>Soluzione</a:t>
             </a:r>
           </a:p>
         </p:txBody>
@@ -7434,140 +7437,6 @@
               <a:rPr lang="en-US" smtClean="0"/>
               <a:pPr/>
               <a:t>31</a:t>
-            </a:fld>
-            <a:r>
-              <a:rPr lang="en-US" dirty="0"/>
-              <a:t> di 32</a:t>
-            </a:r>
-          </a:p>
-        </p:txBody>
-      </p:sp>
-      <p:pic>
-        <p:nvPicPr>
-          <p:cNvPr id="5" name="Immagine 4" descr="Immagine che contiene testo, schermata, numero, schermo&#10;&#10;Descrizione generata automaticamente">
-            <a:extLst>
-              <a:ext uri="{FF2B5EF4-FFF2-40B4-BE49-F238E27FC236}">
-                <a16:creationId xmlns:a16="http://schemas.microsoft.com/office/drawing/2014/main" id="{5A68F2ED-B081-21CB-94A4-AEA1B91043E4}"/>
-              </a:ext>
-            </a:extLst>
-          </p:cNvPr>
-          <p:cNvPicPr>
-            <a:picLocks noChangeAspect="1"/>
-          </p:cNvPicPr>
-          <p:nvPr/>
-        </p:nvPicPr>
-        <p:blipFill>
-          <a:blip r:embed="rId2">
-            <a:extLst>
-              <a:ext uri="{28A0092B-C50C-407E-A947-70E740481C1C}">
-                <a14:useLocalDpi xmlns:a14="http://schemas.microsoft.com/office/drawing/2010/main" val="0"/>
-              </a:ext>
-            </a:extLst>
-          </a:blip>
-          <a:stretch>
-            <a:fillRect/>
-          </a:stretch>
-        </p:blipFill>
-        <p:spPr>
-          <a:xfrm>
-            <a:off x="0" y="1407413"/>
-            <a:ext cx="9144000" cy="4043174"/>
-          </a:xfrm>
-          <a:prstGeom prst="rect">
-            <a:avLst/>
-          </a:prstGeom>
-        </p:spPr>
-      </p:pic>
-    </p:spTree>
-    <p:extLst>
-      <p:ext uri="{BB962C8B-B14F-4D97-AF65-F5344CB8AC3E}">
-        <p14:creationId xmlns:p14="http://schemas.microsoft.com/office/powerpoint/2010/main" val="4009097524"/>
-      </p:ext>
-    </p:extLst>
-  </p:cSld>
-  <p:clrMapOvr>
-    <a:masterClrMapping/>
-  </p:clrMapOvr>
-</p:sld>
-</file>
-
-<file path=ppt/slides/slide32.xml><?xml version="1.0" encoding="utf-8"?>
-<p:sld xmlns:a="http://schemas.openxmlformats.org/drawingml/2006/main" xmlns:r="http://schemas.openxmlformats.org/officeDocument/2006/relationships" xmlns:p="http://schemas.openxmlformats.org/presentationml/2006/main">
-  <p:cSld>
-    <p:spTree>
-      <p:nvGrpSpPr>
-        <p:cNvPr id="1" name=""/>
-        <p:cNvGrpSpPr/>
-        <p:nvPr/>
-      </p:nvGrpSpPr>
-      <p:grpSpPr>
-        <a:xfrm>
-          <a:off x="0" y="0"/>
-          <a:ext cx="0" cy="0"/>
-          <a:chOff x="0" y="0"/>
-          <a:chExt cx="0" cy="0"/>
-        </a:xfrm>
-      </p:grpSpPr>
-      <p:sp>
-        <p:nvSpPr>
-          <p:cNvPr id="2" name="Titolo 1">
-            <a:extLst>
-              <a:ext uri="{FF2B5EF4-FFF2-40B4-BE49-F238E27FC236}">
-                <a16:creationId xmlns:a16="http://schemas.microsoft.com/office/drawing/2014/main" id="{A1C33B46-A1F8-111B-8108-D696C1BBCC68}"/>
-              </a:ext>
-            </a:extLst>
-          </p:cNvPr>
-          <p:cNvSpPr>
-            <a:spLocks noGrp="1"/>
-          </p:cNvSpPr>
-          <p:nvPr>
-            <p:ph type="title"/>
-          </p:nvPr>
-        </p:nvSpPr>
-        <p:spPr>
-          <a:xfrm>
-            <a:off x="0" y="-20568"/>
-            <a:ext cx="7061507" cy="1114425"/>
-          </a:xfrm>
-        </p:spPr>
-        <p:txBody>
-          <a:bodyPr>
-            <a:noAutofit/>
-          </a:bodyPr>
-          <a:lstStyle/>
-          <a:p>
-            <a:r>
-              <a:rPr lang="it-IT" sz="3600" dirty="0"/>
-              <a:t>Esercizio 5: Soluzione</a:t>
-            </a:r>
-          </a:p>
-        </p:txBody>
-      </p:sp>
-      <p:sp>
-        <p:nvSpPr>
-          <p:cNvPr id="4" name="Segnaposto numero diapositiva 3">
-            <a:extLst>
-              <a:ext uri="{FF2B5EF4-FFF2-40B4-BE49-F238E27FC236}">
-                <a16:creationId xmlns:a16="http://schemas.microsoft.com/office/drawing/2014/main" id="{30F37182-85E1-1CBA-A05A-CCEC4E40C29C}"/>
-              </a:ext>
-            </a:extLst>
-          </p:cNvPr>
-          <p:cNvSpPr>
-            <a:spLocks noGrp="1"/>
-          </p:cNvSpPr>
-          <p:nvPr>
-            <p:ph type="sldNum" sz="quarter" idx="4"/>
-          </p:nvPr>
-        </p:nvSpPr>
-        <p:spPr/>
-        <p:txBody>
-          <a:bodyPr/>
-          <a:lstStyle/>
-          <a:p>
-            <a:fld id="{4D021CEB-2F22-4EA1-9BAF-E3833982B82A}" type="slidenum">
-              <a:rPr lang="en-US" smtClean="0"/>
-              <a:pPr/>
-              <a:t>32</a:t>
             </a:fld>
             <a:r>
               <a:rPr lang="en-US" dirty="0"/>

--- a/Tutorato 9 - 17.01/Tutorato 9.pptx
+++ b/Tutorato 9 - 17.01/Tutorato 9.pptx
@@ -479,7 +479,7 @@
           <a:p>
             <a:fld id="{0E4AAC6D-2322-45B9-8ECA-34DF280B0776}" type="datetimeFigureOut">
               <a:rPr lang="en-US" smtClean="0"/>
-              <a:t>1/17/2024</a:t>
+              <a:t>1/18/2024</a:t>
             </a:fld>
             <a:endParaRPr lang="en-US"/>
           </a:p>
@@ -6191,10 +6191,10 @@
       </p:sp>
       <p:pic>
         <p:nvPicPr>
-          <p:cNvPr id="5" name="Immagine 4">
-            <a:extLst>
-              <a:ext uri="{FF2B5EF4-FFF2-40B4-BE49-F238E27FC236}">
-                <a16:creationId xmlns:a16="http://schemas.microsoft.com/office/drawing/2014/main" id="{9EBD7CC5-E0E1-2406-03DF-3FDC131C98BB}"/>
+          <p:cNvPr id="6" name="Immagine 5">
+            <a:extLst>
+              <a:ext uri="{FF2B5EF4-FFF2-40B4-BE49-F238E27FC236}">
+                <a16:creationId xmlns:a16="http://schemas.microsoft.com/office/drawing/2014/main" id="{155E0EAE-0C78-2263-1930-89024BB1FE40}"/>
               </a:ext>
             </a:extLst>
           </p:cNvPr>
@@ -6211,8 +6211,8 @@
         </p:blipFill>
         <p:spPr>
           <a:xfrm>
-            <a:off x="1063856" y="1668627"/>
-            <a:ext cx="2690093" cy="3520745"/>
+            <a:off x="1060704" y="1641955"/>
+            <a:ext cx="2278577" cy="3574090"/>
           </a:xfrm>
           <a:prstGeom prst="rect">
             <a:avLst/>
@@ -6221,10 +6221,10 @@
       </p:pic>
       <p:pic>
         <p:nvPicPr>
-          <p:cNvPr id="8" name="Immagine 7">
-            <a:extLst>
-              <a:ext uri="{FF2B5EF4-FFF2-40B4-BE49-F238E27FC236}">
-                <a16:creationId xmlns:a16="http://schemas.microsoft.com/office/drawing/2014/main" id="{D7E6F3E5-3BF8-3A4A-19D1-A6F528621B2F}"/>
+          <p:cNvPr id="9" name="Immagine 8">
+            <a:extLst>
+              <a:ext uri="{FF2B5EF4-FFF2-40B4-BE49-F238E27FC236}">
+                <a16:creationId xmlns:a16="http://schemas.microsoft.com/office/drawing/2014/main" id="{B4595874-A05B-6D6C-8236-B8F6232E8F4F}"/>
               </a:ext>
             </a:extLst>
           </p:cNvPr>
@@ -6241,8 +6241,8 @@
         </p:blipFill>
         <p:spPr>
           <a:xfrm>
-            <a:off x="4985328" y="1760075"/>
-            <a:ext cx="2712955" cy="3429297"/>
+            <a:off x="4986191" y="1630524"/>
+            <a:ext cx="2720576" cy="3596952"/>
           </a:xfrm>
           <a:prstGeom prst="rect">
             <a:avLst/>
